--- a/ppt 모음/오차역전파 - 이인규.pptx
+++ b/ppt 모음/오차역전파 - 이인규.pptx
@@ -6166,7 +6166,7 @@
           <a:p>
             <a:r>
               <a:rPr lang="ko-KR" altLang="en-US" dirty="0"/>
-              <a:t>오차역전파 예제 흐름</a:t>
+              <a:t>오차역전파 예제 흐름 </a:t>
             </a:r>
             <a:r>
               <a:rPr lang="en-US" altLang="ko-KR" dirty="0"/>
@@ -6394,7 +6394,7 @@
         <p:spPr>
           <a:xfrm>
             <a:off x="6286542" y="3554859"/>
-            <a:ext cx="2201244" cy="830997"/>
+            <a:ext cx="2278188" cy="830997"/>
           </a:xfrm>
           <a:prstGeom prst="rect">
             <a:avLst/>
@@ -6427,7 +6427,7 @@
           <a:p>
             <a:r>
               <a:rPr lang="en-US" altLang="ko-KR" dirty="0"/>
-              <a:t>t : </a:t>
+              <a:t>t  : </a:t>
             </a:r>
             <a:r>
               <a:rPr lang="ko-KR" altLang="en-US" dirty="0"/>
@@ -6529,7 +6529,7 @@
           <a:p>
             <a:r>
               <a:rPr lang="ko-KR" altLang="en-US" dirty="0"/>
-              <a:t>오차역전파 예제 흐름</a:t>
+              <a:t>오차역전파 예제 흐름 </a:t>
             </a:r>
             <a:r>
               <a:rPr lang="en-US" altLang="ko-KR" dirty="0"/>
@@ -6796,7 +6796,7 @@
           <a:p>
             <a:r>
               <a:rPr lang="ko-KR" altLang="en-US" dirty="0"/>
-              <a:t>오차역전파 예제 흐름</a:t>
+              <a:t>오차역전파 예제 흐름 </a:t>
             </a:r>
             <a:r>
               <a:rPr lang="en-US" altLang="ko-KR" dirty="0"/>
